--- a/Week 1/W1D1_ Intro to Python.pptx
+++ b/Week 1/W1D1_ Intro to Python.pptx
@@ -143,6 +143,9 @@
         </p15:guide>
       </p15:sldGuideLst>
     </p:ext>
+    <p:ext uri="{2D200454-40CA-4A62-9FC3-DE9A4176ACB9}">
+      <p15:notesGuideLst xmlns:p15="http://schemas.microsoft.com/office/powerpoint/2012/main"/>
+    </p:ext>
   </p:extLst>
 </p:presentation>
 </file>
@@ -241,7 +244,7 @@
           <a:p>
             <a:fld id="{57C63AF6-3D8C-4266-BF66-536722157D72}" type="datetimeFigureOut">
               <a:rPr lang="en-US" smtClean="0"/>
-              <a:t>1/10/2021</a:t>
+              <a:t>8/23/2021</a:t>
             </a:fld>
             <a:endParaRPr lang="en-US"/>
           </a:p>
@@ -2812,7 +2815,7 @@
             <a:pPr lvl="0"/>
             <a:r>
               <a:rPr lang="en-US" dirty="0"/>
-              <a:t>Section 3, Spring 2021</a:t>
+              <a:t>Fall 2021</a:t>
             </a:r>
           </a:p>
           <a:p>
@@ -2882,6 +2885,26 @@
               <a:t>Use virtual environments</a:t>
             </a:r>
           </a:p>
+          <a:p>
+            <a:pPr lvl="0"/>
+            <a:r>
+              <a:rPr lang="en-US" dirty="0"/>
+              <a:t>Use an IDE or editor you like, but the code must be an “</a:t>
+            </a:r>
+            <a:r>
+              <a:rPr lang="en-US" dirty="0" err="1"/>
+              <a:t>ipynb</a:t>
+            </a:r>
+            <a:r>
+              <a:rPr lang="en-US" dirty="0"/>
+              <a:t>” file and run </a:t>
+            </a:r>
+            <a:r>
+              <a:rPr lang="en-US"/>
+              <a:t>cleanly without error.</a:t>
+            </a:r>
+            <a:endParaRPr lang="en-US" dirty="0"/>
+          </a:p>
         </p:txBody>
       </p:sp>
       <p:sp>
@@ -2994,6 +3017,13 @@
             <a:pPr lvl="0"/>
             <a:r>
               <a:rPr lang="en-US" dirty="0"/>
+              <a:t>Name inspired by Monty Python’s Flying Circus</a:t>
+            </a:r>
+          </a:p>
+          <a:p>
+            <a:pPr lvl="0"/>
+            <a:r>
+              <a:rPr lang="en-US" dirty="0"/>
               <a:t>Quickly becoming one of the most popular programming languages in the world</a:t>
             </a:r>
           </a:p>
@@ -3457,20 +3487,8 @@
             <a:pPr lvl="1"/>
             <a:r>
               <a:rPr lang="en-US" dirty="0"/>
-              <a:t>Notepad++ (my personal </a:t>
-            </a:r>
-            <a:r>
-              <a:rPr lang="en-US" dirty="0" err="1"/>
-              <a:t>favourite</a:t>
-            </a:r>
-            <a:r>
-              <a:rPr lang="en-US" dirty="0"/>
-              <a:t> for no particular reason)</a:t>
-            </a:r>
-          </a:p>
-          <a:p>
-            <a:pPr lvl="0"/>
-            <a:endParaRPr lang="en-US" dirty="0"/>
+              <a:t>Notepad++</a:t>
+            </a:r>
           </a:p>
         </p:txBody>
       </p:sp>
@@ -3686,15 +3704,7 @@
             <a:pPr lvl="1"/>
             <a:r>
               <a:rPr lang="en-US" sz="1400" dirty="0"/>
-              <a:t>We will be using </a:t>
-            </a:r>
-            <a:r>
-              <a:rPr lang="en-US" sz="1400" dirty="0" err="1"/>
-              <a:t>Jupyter</a:t>
-            </a:r>
-            <a:r>
-              <a:rPr lang="en-US" sz="1400" dirty="0"/>
-              <a:t> notebook in this course</a:t>
+              <a:t>We will be using Jupyter notebook in this course</a:t>
             </a:r>
           </a:p>
           <a:p>

--- a/Week 1/W1D1_ Intro to Python.pptx
+++ b/Week 1/W1D1_ Intro to Python.pptx
@@ -244,7 +244,7 @@
           <a:p>
             <a:fld id="{57C63AF6-3D8C-4266-BF66-536722157D72}" type="datetimeFigureOut">
               <a:rPr lang="en-US" smtClean="0"/>
-              <a:t>8/23/2021</a:t>
+              <a:t>1/6/2022</a:t>
             </a:fld>
             <a:endParaRPr lang="en-US"/>
           </a:p>
@@ -2815,7 +2815,7 @@
             <a:pPr lvl="0"/>
             <a:r>
               <a:rPr lang="en-US" dirty="0"/>
-              <a:t>Fall 2021</a:t>
+              <a:t>Spring 2022</a:t>
             </a:r>
           </a:p>
           <a:p>
